--- a/src/main/resources/testng share.pptx
+++ b/src/main/resources/testng share.pptx
@@ -17,6 +17,7 @@
     <p:sldId id="265" r:id="rId11"/>
     <p:sldId id="266" r:id="rId12"/>
     <p:sldId id="267" r:id="rId13"/>
+    <p:sldId id="268" r:id="rId14"/>
   </p:sldIdLst>
   <p:sldSz cx="12192000" cy="6858000"/>
   <p:notesSz cx="6858000" cy="9144000"/>
@@ -312,7 +313,7 @@
             <a:fld id="{B61BEF0D-F0BB-DE4B-95CE-6DB70DBA9567}" type="datetimeFigureOut">
               <a:rPr lang="en-US" dirty="0"/>
               <a:pPr/>
-              <a:t>10/18/18</a:t>
+              <a:t>10/19/18</a:t>
             </a:fld>
             <a:endParaRPr lang="en-US" dirty="0"/>
           </a:p>
@@ -647,7 +648,7 @@
             <a:fld id="{B61BEF0D-F0BB-DE4B-95CE-6DB70DBA9567}" type="datetimeFigureOut">
               <a:rPr lang="en-US" dirty="0"/>
               <a:pPr/>
-              <a:t>10/18/18</a:t>
+              <a:t>10/19/18</a:t>
             </a:fld>
             <a:endParaRPr lang="en-US" dirty="0"/>
           </a:p>
@@ -1045,7 +1046,7 @@
             <a:fld id="{B61BEF0D-F0BB-DE4B-95CE-6DB70DBA9567}" type="datetimeFigureOut">
               <a:rPr lang="en-US" dirty="0"/>
               <a:pPr/>
-              <a:t>10/18/18</a:t>
+              <a:t>10/19/18</a:t>
             </a:fld>
             <a:endParaRPr lang="en-US" dirty="0"/>
           </a:p>
@@ -1378,7 +1379,7 @@
             <a:fld id="{B61BEF0D-F0BB-DE4B-95CE-6DB70DBA9567}" type="datetimeFigureOut">
               <a:rPr lang="en-US" dirty="0"/>
               <a:pPr/>
-              <a:t>10/18/18</a:t>
+              <a:t>10/19/18</a:t>
             </a:fld>
             <a:endParaRPr lang="en-US" dirty="0"/>
           </a:p>
@@ -1695,7 +1696,7 @@
             <a:fld id="{B61BEF0D-F0BB-DE4B-95CE-6DB70DBA9567}" type="datetimeFigureOut">
               <a:rPr lang="en-US" dirty="0"/>
               <a:pPr/>
-              <a:t>10/18/18</a:t>
+              <a:t>10/19/18</a:t>
             </a:fld>
             <a:endParaRPr lang="en-US" dirty="0"/>
           </a:p>
@@ -2088,7 +2089,7 @@
             <a:fld id="{B61BEF0D-F0BB-DE4B-95CE-6DB70DBA9567}" type="datetimeFigureOut">
               <a:rPr lang="en-US" dirty="0"/>
               <a:pPr/>
-              <a:t>10/18/18</a:t>
+              <a:t>10/19/18</a:t>
             </a:fld>
             <a:endParaRPr lang="en-US" dirty="0"/>
           </a:p>
@@ -2342,7 +2343,7 @@
             <a:fld id="{B61BEF0D-F0BB-DE4B-95CE-6DB70DBA9567}" type="datetimeFigureOut">
               <a:rPr lang="en-US" dirty="0"/>
               <a:pPr/>
-              <a:t>10/18/18</a:t>
+              <a:t>10/19/18</a:t>
             </a:fld>
             <a:endParaRPr lang="en-US" dirty="0"/>
           </a:p>
@@ -2601,7 +2602,7 @@
             <a:fld id="{B61BEF0D-F0BB-DE4B-95CE-6DB70DBA9567}" type="datetimeFigureOut">
               <a:rPr lang="en-US" dirty="0"/>
               <a:pPr/>
-              <a:t>10/18/18</a:t>
+              <a:t>10/19/18</a:t>
             </a:fld>
             <a:endParaRPr lang="en-US" dirty="0"/>
           </a:p>
@@ -2860,7 +2861,7 @@
             <a:fld id="{B61BEF0D-F0BB-DE4B-95CE-6DB70DBA9567}" type="datetimeFigureOut">
               <a:rPr lang="en-US" dirty="0"/>
               <a:pPr/>
-              <a:t>10/18/18</a:t>
+              <a:t>10/19/18</a:t>
             </a:fld>
             <a:endParaRPr lang="en-US" dirty="0"/>
           </a:p>
@@ -3186,7 +3187,7 @@
             <a:fld id="{B61BEF0D-F0BB-DE4B-95CE-6DB70DBA9567}" type="datetimeFigureOut">
               <a:rPr lang="en-US" dirty="0"/>
               <a:pPr/>
-              <a:t>10/18/18</a:t>
+              <a:t>10/19/18</a:t>
             </a:fld>
             <a:endParaRPr lang="en-US" dirty="0"/>
           </a:p>
@@ -3506,7 +3507,7 @@
             <a:fld id="{B61BEF0D-F0BB-DE4B-95CE-6DB70DBA9567}" type="datetimeFigureOut">
               <a:rPr lang="en-US" dirty="0"/>
               <a:pPr/>
-              <a:t>10/18/18</a:t>
+              <a:t>10/19/18</a:t>
             </a:fld>
             <a:endParaRPr lang="en-US" dirty="0"/>
           </a:p>
@@ -3960,7 +3961,7 @@
             <a:fld id="{B61BEF0D-F0BB-DE4B-95CE-6DB70DBA9567}" type="datetimeFigureOut">
               <a:rPr lang="en-US" dirty="0"/>
               <a:pPr/>
-              <a:t>10/18/18</a:t>
+              <a:t>10/19/18</a:t>
             </a:fld>
             <a:endParaRPr lang="en-US" dirty="0"/>
           </a:p>
@@ -4162,7 +4163,7 @@
             <a:fld id="{B61BEF0D-F0BB-DE4B-95CE-6DB70DBA9567}" type="datetimeFigureOut">
               <a:rPr lang="en-US" dirty="0"/>
               <a:pPr/>
-              <a:t>10/18/18</a:t>
+              <a:t>10/19/18</a:t>
             </a:fld>
             <a:endParaRPr lang="en-US" dirty="0"/>
           </a:p>
@@ -4336,7 +4337,7 @@
             <a:fld id="{B61BEF0D-F0BB-DE4B-95CE-6DB70DBA9567}" type="datetimeFigureOut">
               <a:rPr lang="en-US" dirty="0"/>
               <a:pPr/>
-              <a:t>10/18/18</a:t>
+              <a:t>10/19/18</a:t>
             </a:fld>
             <a:endParaRPr lang="en-US" dirty="0"/>
           </a:p>
@@ -4666,7 +4667,7 @@
             <a:fld id="{B61BEF0D-F0BB-DE4B-95CE-6DB70DBA9567}" type="datetimeFigureOut">
               <a:rPr lang="en-US" dirty="0"/>
               <a:pPr/>
-              <a:t>10/18/18</a:t>
+              <a:t>10/19/18</a:t>
             </a:fld>
             <a:endParaRPr lang="en-US" dirty="0"/>
           </a:p>
@@ -5008,7 +5009,7 @@
             <a:fld id="{B61BEF0D-F0BB-DE4B-95CE-6DB70DBA9567}" type="datetimeFigureOut">
               <a:rPr lang="en-US" dirty="0"/>
               <a:pPr/>
-              <a:t>10/18/18</a:t>
+              <a:t>10/19/18</a:t>
             </a:fld>
             <a:endParaRPr lang="en-US" dirty="0"/>
           </a:p>
@@ -7122,7 +7123,7 @@
             <a:fld id="{B61BEF0D-F0BB-DE4B-95CE-6DB70DBA9567}" type="datetimeFigureOut">
               <a:rPr lang="en-US" dirty="0"/>
               <a:pPr/>
-              <a:t>10/18/18</a:t>
+              <a:t>10/19/18</a:t>
             </a:fld>
             <a:endParaRPr lang="en-US" dirty="0"/>
           </a:p>
@@ -7816,11 +7817,7 @@
           <a:p>
             <a:r>
               <a:rPr kumimoji="1" lang="en-US" altLang="zh-CN" dirty="0" smtClean="0"/>
-              <a:t>v</a:t>
-            </a:r>
-            <a:r>
-              <a:rPr kumimoji="1" lang="en-US" altLang="zh-CN" dirty="0" smtClean="0"/>
-              <a:t>erbose </a:t>
+              <a:t>verbose </a:t>
             </a:r>
             <a:r>
               <a:rPr kumimoji="1" lang="zh-CN" altLang="en-US" dirty="0" smtClean="0"/>
@@ -7850,11 +7847,7 @@
             </a:r>
             <a:r>
               <a:rPr kumimoji="1" lang="zh-CN" altLang="en-US" dirty="0" smtClean="0"/>
-              <a:t> </a:t>
-            </a:r>
-            <a:r>
-              <a:rPr kumimoji="1" lang="zh-CN" altLang="en-US" dirty="0" smtClean="0"/>
-              <a:t>如果启用并行模式（忽略其他模式），则要使用的线程数</a:t>
+              <a:t> 如果启用并行模式（忽略其他模式），则要使用的线程数</a:t>
             </a:r>
             <a:endParaRPr kumimoji="1" lang="en-US" altLang="zh-CN" dirty="0" smtClean="0"/>
           </a:p>
@@ -8281,6 +8274,149 @@
 </p:sld>
 </file>
 
+<file path=ppt/slides/slide13.xml><?xml version="1.0" encoding="utf-8"?>
+<p:sld xmlns:a="http://schemas.openxmlformats.org/drawingml/2006/main" xmlns:r="http://schemas.openxmlformats.org/officeDocument/2006/relationships" xmlns:p="http://schemas.openxmlformats.org/presentationml/2006/main">
+  <p:cSld>
+    <p:spTree>
+      <p:nvGrpSpPr>
+        <p:cNvPr id="1" name=""/>
+        <p:cNvGrpSpPr/>
+        <p:nvPr/>
+      </p:nvGrpSpPr>
+      <p:grpSpPr>
+        <a:xfrm>
+          <a:off x="0" y="0"/>
+          <a:ext cx="0" cy="0"/>
+          <a:chOff x="0" y="0"/>
+          <a:chExt cx="0" cy="0"/>
+        </a:xfrm>
+      </p:grpSpPr>
+      <p:sp>
+        <p:nvSpPr>
+          <p:cNvPr id="2" name="标题 1"/>
+          <p:cNvSpPr>
+            <a:spLocks noGrp="1"/>
+          </p:cNvSpPr>
+          <p:nvPr>
+            <p:ph type="title"/>
+          </p:nvPr>
+        </p:nvSpPr>
+        <p:spPr/>
+        <p:txBody>
+          <a:bodyPr/>
+          <a:lstStyle/>
+          <a:p>
+            <a:r>
+              <a:rPr kumimoji="1" lang="zh-CN" altLang="en-US" dirty="0" smtClean="0"/>
+              <a:t>测试演示</a:t>
+            </a:r>
+            <a:r>
+              <a:rPr kumimoji="1" lang="en-US" altLang="zh-CN" dirty="0" smtClean="0"/>
+              <a:t>——</a:t>
+            </a:r>
+            <a:r>
+              <a:rPr kumimoji="1" lang="zh-CN" altLang="en-US" dirty="0" smtClean="0"/>
+              <a:t>并行执行测试</a:t>
+            </a:r>
+            <a:endParaRPr kumimoji="1" lang="zh-CN" altLang="en-US" dirty="0"/>
+          </a:p>
+        </p:txBody>
+      </p:sp>
+      <p:sp>
+        <p:nvSpPr>
+          <p:cNvPr id="3" name="内容占位符 2"/>
+          <p:cNvSpPr>
+            <a:spLocks noGrp="1"/>
+          </p:cNvSpPr>
+          <p:nvPr>
+            <p:ph idx="1"/>
+          </p:nvPr>
+        </p:nvSpPr>
+        <p:spPr/>
+        <p:txBody>
+          <a:bodyPr/>
+          <a:lstStyle/>
+          <a:p>
+            <a:r>
+              <a:rPr kumimoji="1" lang="zh-CN" altLang="en-US" dirty="0" smtClean="0"/>
+              <a:t>并行（多线程）执行测试可以给用户带来很多好处，主要包括：</a:t>
+            </a:r>
+            <a:endParaRPr kumimoji="1" lang="en-US" altLang="zh-CN" dirty="0" smtClean="0"/>
+          </a:p>
+          <a:p>
+            <a:r>
+              <a:rPr kumimoji="1" lang="en-US" altLang="zh-CN" dirty="0" smtClean="0"/>
+              <a:t>1</a:t>
+            </a:r>
+            <a:r>
+              <a:rPr kumimoji="1" lang="zh-CN" altLang="en-US" dirty="0" smtClean="0"/>
+              <a:t>）减少了执行时间：并行测试以为着多个测试可以在同一时间被同时执行，从而减少了整体测试花费的时间</a:t>
+            </a:r>
+            <a:endParaRPr kumimoji="1" lang="en-US" altLang="zh-CN" dirty="0" smtClean="0"/>
+          </a:p>
+          <a:p>
+            <a:r>
+              <a:rPr kumimoji="1" lang="en-US" altLang="zh-CN" dirty="0" smtClean="0"/>
+              <a:t>2</a:t>
+            </a:r>
+            <a:r>
+              <a:rPr kumimoji="1" lang="zh-CN" altLang="en-US" dirty="0" smtClean="0"/>
+              <a:t>）允许多个线程并性得测试同一个测试组件：有了这个特性，就能够写出相应的测试用例来验证应用程序中包含多线程部分的代码的正确性</a:t>
+            </a:r>
+            <a:endParaRPr kumimoji="1" lang="en-US" altLang="zh-CN" dirty="0" smtClean="0"/>
+          </a:p>
+          <a:p>
+            <a:r>
+              <a:rPr kumimoji="1" lang="zh-CN" altLang="en-US" dirty="0" smtClean="0"/>
+              <a:t>并行地执行测试方法 </a:t>
+            </a:r>
+            <a:r>
+              <a:rPr kumimoji="1" lang="en-US" altLang="zh-CN" dirty="0" smtClean="0"/>
+              <a:t>methods</a:t>
+            </a:r>
+          </a:p>
+          <a:p>
+            <a:r>
+              <a:rPr kumimoji="1" lang="zh-CN" altLang="en-US" dirty="0" smtClean="0"/>
+              <a:t>并行地执行测试类</a:t>
+            </a:r>
+            <a:r>
+              <a:rPr kumimoji="1" lang="en-US" altLang="zh-CN" dirty="0" smtClean="0"/>
+              <a:t> classes</a:t>
+            </a:r>
+          </a:p>
+          <a:p>
+            <a:r>
+              <a:rPr kumimoji="1" lang="zh-CN" altLang="en-US" dirty="0" smtClean="0"/>
+              <a:t>并行地执行测试组件 </a:t>
+            </a:r>
+            <a:r>
+              <a:rPr kumimoji="1" lang="en-US" altLang="zh-CN" dirty="0" smtClean="0"/>
+              <a:t>tests</a:t>
+            </a:r>
+          </a:p>
+          <a:p>
+            <a:r>
+              <a:rPr kumimoji="1" lang="zh-CN" altLang="en-US" dirty="0" smtClean="0"/>
+              <a:t>一个需要在多线程环境中执行的测试方法</a:t>
+            </a:r>
+            <a:endParaRPr kumimoji="1" lang="en-US" altLang="zh-CN" dirty="0"/>
+          </a:p>
+        </p:txBody>
+      </p:sp>
+    </p:spTree>
+    <p:extLst>
+      <p:ext uri="{BB962C8B-B14F-4D97-AF65-F5344CB8AC3E}">
+        <p14:creationId xmlns:p14="http://schemas.microsoft.com/office/powerpoint/2010/main" val="242485081"/>
+      </p:ext>
+    </p:extLst>
+  </p:cSld>
+  <p:clrMapOvr>
+    <a:masterClrMapping/>
+  </p:clrMapOvr>
+</p:sld>
+</file>
+
 <file path=ppt/slides/slide2.xml><?xml version="1.0" encoding="utf-8"?>
 <p:sld xmlns:a="http://schemas.openxmlformats.org/drawingml/2006/main" xmlns:r="http://schemas.openxmlformats.org/officeDocument/2006/relationships" xmlns:p="http://schemas.openxmlformats.org/presentationml/2006/main">
   <p:cSld>
@@ -8374,15 +8510,7 @@
             </a:r>
             <a:r>
               <a:rPr kumimoji="1" lang="zh-CN" altLang="en-US" dirty="0" smtClean="0"/>
-              <a:t>（</a:t>
-            </a:r>
-            <a:r>
-              <a:rPr kumimoji="1" lang="zh-CN" altLang="en-US" dirty="0" smtClean="0"/>
-              <a:t>建议版本</a:t>
-            </a:r>
-            <a:r>
-              <a:rPr kumimoji="1" lang="zh-CN" altLang="en-US" dirty="0" smtClean="0"/>
-              <a:t>在</a:t>
+              <a:t>（建议版本在</a:t>
             </a:r>
             <a:r>
               <a:rPr kumimoji="1" lang="en-US" altLang="zh-CN" dirty="0">
@@ -8455,7 +8583,11 @@
             </a:r>
             <a:r>
               <a:rPr kumimoji="1" lang="zh-CN" altLang="en-US" dirty="0" smtClean="0"/>
-              <a:t>的特性介绍</a:t>
+              <a:t>的特性</a:t>
+            </a:r>
+            <a:r>
+              <a:rPr kumimoji="1" lang="zh-CN" altLang="en-US" dirty="0" smtClean="0"/>
+              <a:t>介绍</a:t>
             </a:r>
             <a:endParaRPr kumimoji="1" lang="zh-CN" altLang="en-US" dirty="0"/>
           </a:p>
@@ -8476,7 +8608,51 @@
           <a:bodyPr/>
           <a:lstStyle/>
           <a:p>
-            <a:endParaRPr kumimoji="1" lang="zh-CN" altLang="en-US"/>
+            <a:r>
+              <a:rPr kumimoji="1" lang="zh-CN" altLang="en-US" dirty="0" smtClean="0"/>
+              <a:t>支持并发执行测试</a:t>
+            </a:r>
+            <a:endParaRPr kumimoji="1" lang="en-US" altLang="zh-CN" dirty="0" smtClean="0"/>
+          </a:p>
+          <a:p>
+            <a:r>
+              <a:rPr kumimoji="1" lang="zh-CN" altLang="en-US" dirty="0" smtClean="0"/>
+              <a:t>并发的级别支持 </a:t>
+            </a:r>
+            <a:r>
+              <a:rPr kumimoji="1" lang="en-US" altLang="zh-CN" dirty="0" smtClean="0"/>
+              <a:t>test class method </a:t>
+            </a:r>
+          </a:p>
+          <a:p>
+            <a:r>
+              <a:rPr kumimoji="1" lang="zh-CN" altLang="en-US" dirty="0" smtClean="0"/>
+              <a:t>合理组织测试用例，将非线程安全的测试类或</a:t>
+            </a:r>
+            <a:r>
+              <a:rPr kumimoji="1" lang="en-US" altLang="zh-CN" dirty="0" smtClean="0"/>
+              <a:t>group</a:t>
+            </a:r>
+            <a:r>
+              <a:rPr kumimoji="1" lang="zh-CN" altLang="en-US" dirty="0" smtClean="0"/>
+              <a:t>统一放到一个</a:t>
+            </a:r>
+            <a:r>
+              <a:rPr kumimoji="1" lang="en-US" altLang="zh-CN" dirty="0" smtClean="0"/>
+              <a:t>test</a:t>
+            </a:r>
+            <a:r>
+              <a:rPr kumimoji="1" lang="zh-CN" altLang="en-US" dirty="0" smtClean="0"/>
+              <a:t>中</a:t>
+            </a:r>
+            <a:endParaRPr kumimoji="1" lang="en-US" altLang="zh-CN" dirty="0" smtClean="0"/>
+          </a:p>
+          <a:p>
+            <a:r>
+              <a:rPr kumimoji="1" lang="zh-CN" altLang="en-US" dirty="0" smtClean="0"/>
+              <a:t>同一个方法的并发</a:t>
+            </a:r>
+            <a:endParaRPr kumimoji="1" lang="zh-CN" altLang="en-US" dirty="0"/>
           </a:p>
         </p:txBody>
       </p:sp>
